--- a/Lr3/Системы контроля версий_v3.3 2025.pptx
+++ b/Lr3/Системы контроля версий_v3.3 2025.pptx
@@ -219,7 +219,7 @@
           <a:p>
             <a:fld id="{894521EB-F39F-479D-9E0D-3D41471C9506}" type="datetimeFigureOut">
               <a:rPr lang="ru-RU" smtClean="0"/>
-              <a:t>09.02.2025</a:t>
+              <a:t>31.03.2025</a:t>
             </a:fld>
             <a:endParaRPr lang="ru-RU"/>
           </a:p>
@@ -801,7 +801,7 @@
           <a:p>
             <a:fld id="{E9E3D4B0-22AE-4449-B403-D51F6FD7575F}" type="datetimeFigureOut">
               <a:rPr lang="ru-RU" smtClean="0"/>
-              <a:t>09.02.2025</a:t>
+              <a:t>31.03.2025</a:t>
             </a:fld>
             <a:endParaRPr lang="ru-RU"/>
           </a:p>
@@ -999,7 +999,7 @@
           <a:p>
             <a:fld id="{E9E3D4B0-22AE-4449-B403-D51F6FD7575F}" type="datetimeFigureOut">
               <a:rPr lang="ru-RU" smtClean="0"/>
-              <a:t>09.02.2025</a:t>
+              <a:t>31.03.2025</a:t>
             </a:fld>
             <a:endParaRPr lang="ru-RU"/>
           </a:p>
@@ -1207,7 +1207,7 @@
           <a:p>
             <a:fld id="{E9E3D4B0-22AE-4449-B403-D51F6FD7575F}" type="datetimeFigureOut">
               <a:rPr lang="ru-RU" smtClean="0"/>
-              <a:t>09.02.2025</a:t>
+              <a:t>31.03.2025</a:t>
             </a:fld>
             <a:endParaRPr lang="ru-RU"/>
           </a:p>
@@ -1405,7 +1405,7 @@
           <a:p>
             <a:fld id="{E9E3D4B0-22AE-4449-B403-D51F6FD7575F}" type="datetimeFigureOut">
               <a:rPr lang="ru-RU" smtClean="0"/>
-              <a:t>09.02.2025</a:t>
+              <a:t>31.03.2025</a:t>
             </a:fld>
             <a:endParaRPr lang="ru-RU"/>
           </a:p>
@@ -1680,7 +1680,7 @@
           <a:p>
             <a:fld id="{E9E3D4B0-22AE-4449-B403-D51F6FD7575F}" type="datetimeFigureOut">
               <a:rPr lang="ru-RU" smtClean="0"/>
-              <a:t>09.02.2025</a:t>
+              <a:t>31.03.2025</a:t>
             </a:fld>
             <a:endParaRPr lang="ru-RU"/>
           </a:p>
@@ -1945,7 +1945,7 @@
           <a:p>
             <a:fld id="{E9E3D4B0-22AE-4449-B403-D51F6FD7575F}" type="datetimeFigureOut">
               <a:rPr lang="ru-RU" smtClean="0"/>
-              <a:t>09.02.2025</a:t>
+              <a:t>31.03.2025</a:t>
             </a:fld>
             <a:endParaRPr lang="ru-RU"/>
           </a:p>
@@ -2357,7 +2357,7 @@
           <a:p>
             <a:fld id="{E9E3D4B0-22AE-4449-B403-D51F6FD7575F}" type="datetimeFigureOut">
               <a:rPr lang="ru-RU" smtClean="0"/>
-              <a:t>09.02.2025</a:t>
+              <a:t>31.03.2025</a:t>
             </a:fld>
             <a:endParaRPr lang="ru-RU"/>
           </a:p>
@@ -2498,7 +2498,7 @@
           <a:p>
             <a:fld id="{E9E3D4B0-22AE-4449-B403-D51F6FD7575F}" type="datetimeFigureOut">
               <a:rPr lang="ru-RU" smtClean="0"/>
-              <a:t>09.02.2025</a:t>
+              <a:t>31.03.2025</a:t>
             </a:fld>
             <a:endParaRPr lang="ru-RU"/>
           </a:p>
@@ -2611,7 +2611,7 @@
           <a:p>
             <a:fld id="{E9E3D4B0-22AE-4449-B403-D51F6FD7575F}" type="datetimeFigureOut">
               <a:rPr lang="ru-RU" smtClean="0"/>
-              <a:t>09.02.2025</a:t>
+              <a:t>31.03.2025</a:t>
             </a:fld>
             <a:endParaRPr lang="ru-RU"/>
           </a:p>
@@ -2922,7 +2922,7 @@
           <a:p>
             <a:fld id="{E9E3D4B0-22AE-4449-B403-D51F6FD7575F}" type="datetimeFigureOut">
               <a:rPr lang="ru-RU" smtClean="0"/>
-              <a:t>09.02.2025</a:t>
+              <a:t>31.03.2025</a:t>
             </a:fld>
             <a:endParaRPr lang="ru-RU"/>
           </a:p>
@@ -3210,7 +3210,7 @@
           <a:p>
             <a:fld id="{E9E3D4B0-22AE-4449-B403-D51F6FD7575F}" type="datetimeFigureOut">
               <a:rPr lang="ru-RU" smtClean="0"/>
-              <a:t>09.02.2025</a:t>
+              <a:t>31.03.2025</a:t>
             </a:fld>
             <a:endParaRPr lang="ru-RU"/>
           </a:p>
@@ -3451,7 +3451,7 @@
           <a:p>
             <a:fld id="{E9E3D4B0-22AE-4449-B403-D51F6FD7575F}" type="datetimeFigureOut">
               <a:rPr lang="ru-RU" smtClean="0"/>
-              <a:t>09.02.2025</a:t>
+              <a:t>31.03.2025</a:t>
             </a:fld>
             <a:endParaRPr lang="ru-RU"/>
           </a:p>
@@ -7381,10 +7381,10 @@
                 <a:latin typeface="-apple-system"/>
                 <a:hlinkClick r:id="rId2"/>
               </a:rPr>
-              <a:t>https://github.com/OrangeRedeng/Spring_2024.git</a:t>
-            </a:r>
-            <a:r>
-              <a:rPr lang="en-US" sz="2400" dirty="0">
+              <a:t>https://github.com/OrangeRedeng/Spring_2025</a:t>
+            </a:r>
+            <a:r>
+              <a:rPr lang="ru-RU" sz="2400" dirty="0">
                 <a:latin typeface="-apple-system"/>
               </a:rPr>
               <a:t> </a:t>
